--- a/eventos/documentacao/Gerenciador_de_eventos_documentacao.pptx
+++ b/eventos/documentacao/Gerenciador_de_eventos_documentacao.pptx
@@ -17,9 +17,13 @@
     <p:sldId id="268" r:id="rId11"/>
     <p:sldId id="269" r:id="rId12"/>
     <p:sldId id="270" r:id="rId13"/>
-    <p:sldId id="271" r:id="rId14"/>
-    <p:sldId id="272" r:id="rId15"/>
-    <p:sldId id="267" r:id="rId16"/>
+    <p:sldId id="273" r:id="rId14"/>
+    <p:sldId id="274" r:id="rId15"/>
+    <p:sldId id="275" r:id="rId16"/>
+    <p:sldId id="276" r:id="rId17"/>
+    <p:sldId id="271" r:id="rId18"/>
+    <p:sldId id="272" r:id="rId19"/>
+    <p:sldId id="267" r:id="rId20"/>
   </p:sldIdLst>
   <p:sldSz cx="12192000" cy="6858000"/>
   <p:notesSz cx="6858000" cy="9144000"/>
@@ -257,7 +261,7 @@
           <a:p>
             <a:fld id="{12D03C7F-A98B-4CAB-9128-4510BB5D6A8D}" type="datetimeFigureOut">
               <a:rPr lang="pt-BR" smtClean="0"/>
-              <a:t>21/08/2018</a:t>
+              <a:t>03/09/2018</a:t>
             </a:fld>
             <a:endParaRPr lang="pt-BR"/>
           </a:p>
@@ -427,7 +431,7 @@
           <a:p>
             <a:fld id="{12D03C7F-A98B-4CAB-9128-4510BB5D6A8D}" type="datetimeFigureOut">
               <a:rPr lang="pt-BR" smtClean="0"/>
-              <a:t>21/08/2018</a:t>
+              <a:t>03/09/2018</a:t>
             </a:fld>
             <a:endParaRPr lang="pt-BR"/>
           </a:p>
@@ -607,7 +611,7 @@
           <a:p>
             <a:fld id="{12D03C7F-A98B-4CAB-9128-4510BB5D6A8D}" type="datetimeFigureOut">
               <a:rPr lang="pt-BR" smtClean="0"/>
-              <a:t>21/08/2018</a:t>
+              <a:t>03/09/2018</a:t>
             </a:fld>
             <a:endParaRPr lang="pt-BR"/>
           </a:p>
@@ -777,7 +781,7 @@
           <a:p>
             <a:fld id="{12D03C7F-A98B-4CAB-9128-4510BB5D6A8D}" type="datetimeFigureOut">
               <a:rPr lang="pt-BR" smtClean="0"/>
-              <a:t>21/08/2018</a:t>
+              <a:t>03/09/2018</a:t>
             </a:fld>
             <a:endParaRPr lang="pt-BR"/>
           </a:p>
@@ -1023,7 +1027,7 @@
           <a:p>
             <a:fld id="{12D03C7F-A98B-4CAB-9128-4510BB5D6A8D}" type="datetimeFigureOut">
               <a:rPr lang="pt-BR" smtClean="0"/>
-              <a:t>21/08/2018</a:t>
+              <a:t>03/09/2018</a:t>
             </a:fld>
             <a:endParaRPr lang="pt-BR"/>
           </a:p>
@@ -1255,7 +1259,7 @@
           <a:p>
             <a:fld id="{12D03C7F-A98B-4CAB-9128-4510BB5D6A8D}" type="datetimeFigureOut">
               <a:rPr lang="pt-BR" smtClean="0"/>
-              <a:t>21/08/2018</a:t>
+              <a:t>03/09/2018</a:t>
             </a:fld>
             <a:endParaRPr lang="pt-BR"/>
           </a:p>
@@ -1622,7 +1626,7 @@
           <a:p>
             <a:fld id="{12D03C7F-A98B-4CAB-9128-4510BB5D6A8D}" type="datetimeFigureOut">
               <a:rPr lang="pt-BR" smtClean="0"/>
-              <a:t>21/08/2018</a:t>
+              <a:t>03/09/2018</a:t>
             </a:fld>
             <a:endParaRPr lang="pt-BR"/>
           </a:p>
@@ -1740,7 +1744,7 @@
           <a:p>
             <a:fld id="{12D03C7F-A98B-4CAB-9128-4510BB5D6A8D}" type="datetimeFigureOut">
               <a:rPr lang="pt-BR" smtClean="0"/>
-              <a:t>21/08/2018</a:t>
+              <a:t>03/09/2018</a:t>
             </a:fld>
             <a:endParaRPr lang="pt-BR"/>
           </a:p>
@@ -1835,7 +1839,7 @@
           <a:p>
             <a:fld id="{12D03C7F-A98B-4CAB-9128-4510BB5D6A8D}" type="datetimeFigureOut">
               <a:rPr lang="pt-BR" smtClean="0"/>
-              <a:t>21/08/2018</a:t>
+              <a:t>03/09/2018</a:t>
             </a:fld>
             <a:endParaRPr lang="pt-BR"/>
           </a:p>
@@ -2112,7 +2116,7 @@
           <a:p>
             <a:fld id="{12D03C7F-A98B-4CAB-9128-4510BB5D6A8D}" type="datetimeFigureOut">
               <a:rPr lang="pt-BR" smtClean="0"/>
-              <a:t>21/08/2018</a:t>
+              <a:t>03/09/2018</a:t>
             </a:fld>
             <a:endParaRPr lang="pt-BR"/>
           </a:p>
@@ -2365,7 +2369,7 @@
           <a:p>
             <a:fld id="{12D03C7F-A98B-4CAB-9128-4510BB5D6A8D}" type="datetimeFigureOut">
               <a:rPr lang="pt-BR" smtClean="0"/>
-              <a:t>21/08/2018</a:t>
+              <a:t>03/09/2018</a:t>
             </a:fld>
             <a:endParaRPr lang="pt-BR"/>
           </a:p>
@@ -2578,7 +2582,7 @@
           <a:p>
             <a:fld id="{12D03C7F-A98B-4CAB-9128-4510BB5D6A8D}" type="datetimeFigureOut">
               <a:rPr lang="pt-BR" smtClean="0"/>
-              <a:t>21/08/2018</a:t>
+              <a:t>03/09/2018</a:t>
             </a:fld>
             <a:endParaRPr lang="pt-BR"/>
           </a:p>
@@ -3682,51 +3686,7 @@
                   </a:schemeClr>
                 </a:solidFill>
               </a:rPr>
-              <a:t>: </a:t>
-            </a:r>
-            <a:r>
-              <a:rPr lang="pt-BR" dirty="0" err="1">
-                <a:solidFill>
-                  <a:schemeClr val="tx1">
-                    <a:lumMod val="75000"/>
-                    <a:lumOff val="25000"/>
-                  </a:schemeClr>
-                </a:solidFill>
-              </a:rPr>
-              <a:t>Cleyton</a:t>
-            </a:r>
-            <a:r>
-              <a:rPr lang="pt-BR" dirty="0">
-                <a:solidFill>
-                  <a:schemeClr val="tx1">
-                    <a:lumMod val="75000"/>
-                    <a:lumOff val="25000"/>
-                  </a:schemeClr>
-                </a:solidFill>
-              </a:rPr>
-              <a:t> </a:t>
-            </a:r>
-            <a:r>
-              <a:rPr lang="pt-BR" dirty="0" err="1">
-                <a:solidFill>
-                  <a:schemeClr val="tx1">
-                    <a:lumMod val="75000"/>
-                    <a:lumOff val="25000"/>
-                  </a:schemeClr>
-                </a:solidFill>
-              </a:rPr>
-              <a:t>Slaviero</a:t>
-            </a:r>
-            <a:r>
-              <a:rPr lang="pt-BR" dirty="0">
-                <a:solidFill>
-                  <a:schemeClr val="tx1">
-                    <a:lumMod val="75000"/>
-                    <a:lumOff val="25000"/>
-                  </a:schemeClr>
-                </a:solidFill>
-              </a:rPr>
-              <a:t> </a:t>
+              <a:t>: Cleyton Slaviero </a:t>
             </a:r>
           </a:p>
         </p:txBody>
@@ -4951,6 +4911,1530 @@
         </p:nvSpPr>
         <p:spPr>
           <a:xfrm>
+            <a:off x="1800486" y="220837"/>
+            <a:ext cx="8431269" cy="657368"/>
+          </a:xfrm>
+          <a:prstGeom prst="rect">
+            <a:avLst/>
+          </a:prstGeom>
+        </p:spPr>
+        <p:txBody>
+          <a:bodyPr/>
+          <a:lstStyle>
+            <a:lvl1pPr algn="l" defTabSz="914400" rtl="0" eaLnBrk="1" latinLnBrk="0" hangingPunct="1">
+              <a:lnSpc>
+                <a:spcPct val="90000"/>
+              </a:lnSpc>
+              <a:spcBef>
+                <a:spcPct val="0"/>
+              </a:spcBef>
+              <a:buNone/>
+              <a:defRPr sz="4400" kern="1200">
+                <a:solidFill>
+                  <a:schemeClr val="tx1"/>
+                </a:solidFill>
+                <a:latin typeface="+mj-lt"/>
+                <a:ea typeface="+mj-ea"/>
+                <a:cs typeface="+mj-cs"/>
+              </a:defRPr>
+            </a:lvl1pPr>
+          </a:lstStyle>
+          <a:p>
+            <a:pPr algn="ctr"/>
+            <a:r>
+              <a:rPr lang="en-US" dirty="0" smtClean="0"/>
+              <a:t>VALIDAÇÕES</a:t>
+            </a:r>
+            <a:endParaRPr lang="pt-BR" dirty="0"/>
+          </a:p>
+        </p:txBody>
+      </p:sp>
+      <p:sp>
+        <p:nvSpPr>
+          <p:cNvPr id="3" name="Subtítulo 2"/>
+          <p:cNvSpPr txBox="1">
+            <a:spLocks/>
+          </p:cNvSpPr>
+          <p:nvPr/>
+        </p:nvSpPr>
+        <p:spPr>
+          <a:xfrm>
+            <a:off x="1524000" y="1064626"/>
+            <a:ext cx="9144000" cy="579799"/>
+          </a:xfrm>
+          <a:prstGeom prst="rect">
+            <a:avLst/>
+          </a:prstGeom>
+        </p:spPr>
+        <p:txBody>
+          <a:bodyPr/>
+          <a:lstStyle>
+            <a:lvl1pPr marL="228600" indent="-228600" algn="l" defTabSz="914400" rtl="0" eaLnBrk="1" latinLnBrk="0" hangingPunct="1">
+              <a:lnSpc>
+                <a:spcPct val="90000"/>
+              </a:lnSpc>
+              <a:spcBef>
+                <a:spcPts val="1000"/>
+              </a:spcBef>
+              <a:buFont typeface="Arial" panose="020B0604020202020204" pitchFamily="34" charset="0"/>
+              <a:buChar char="•"/>
+              <a:defRPr sz="2800" kern="1200">
+                <a:solidFill>
+                  <a:schemeClr val="tx1"/>
+                </a:solidFill>
+                <a:latin typeface="+mn-lt"/>
+                <a:ea typeface="+mn-ea"/>
+                <a:cs typeface="+mn-cs"/>
+              </a:defRPr>
+            </a:lvl1pPr>
+            <a:lvl2pPr marL="685800" indent="-228600" algn="l" defTabSz="914400" rtl="0" eaLnBrk="1" latinLnBrk="0" hangingPunct="1">
+              <a:lnSpc>
+                <a:spcPct val="90000"/>
+              </a:lnSpc>
+              <a:spcBef>
+                <a:spcPts val="500"/>
+              </a:spcBef>
+              <a:buFont typeface="Arial" panose="020B0604020202020204" pitchFamily="34" charset="0"/>
+              <a:buChar char="•"/>
+              <a:defRPr sz="2400" kern="1200">
+                <a:solidFill>
+                  <a:schemeClr val="tx1"/>
+                </a:solidFill>
+                <a:latin typeface="+mn-lt"/>
+                <a:ea typeface="+mn-ea"/>
+                <a:cs typeface="+mn-cs"/>
+              </a:defRPr>
+            </a:lvl2pPr>
+            <a:lvl3pPr marL="1143000" indent="-228600" algn="l" defTabSz="914400" rtl="0" eaLnBrk="1" latinLnBrk="0" hangingPunct="1">
+              <a:lnSpc>
+                <a:spcPct val="90000"/>
+              </a:lnSpc>
+              <a:spcBef>
+                <a:spcPts val="500"/>
+              </a:spcBef>
+              <a:buFont typeface="Arial" panose="020B0604020202020204" pitchFamily="34" charset="0"/>
+              <a:buChar char="•"/>
+              <a:defRPr sz="2000" kern="1200">
+                <a:solidFill>
+                  <a:schemeClr val="tx1"/>
+                </a:solidFill>
+                <a:latin typeface="+mn-lt"/>
+                <a:ea typeface="+mn-ea"/>
+                <a:cs typeface="+mn-cs"/>
+              </a:defRPr>
+            </a:lvl3pPr>
+            <a:lvl4pPr marL="1600200" indent="-228600" algn="l" defTabSz="914400" rtl="0" eaLnBrk="1" latinLnBrk="0" hangingPunct="1">
+              <a:lnSpc>
+                <a:spcPct val="90000"/>
+              </a:lnSpc>
+              <a:spcBef>
+                <a:spcPts val="500"/>
+              </a:spcBef>
+              <a:buFont typeface="Arial" panose="020B0604020202020204" pitchFamily="34" charset="0"/>
+              <a:buChar char="•"/>
+              <a:defRPr sz="1800" kern="1200">
+                <a:solidFill>
+                  <a:schemeClr val="tx1"/>
+                </a:solidFill>
+                <a:latin typeface="+mn-lt"/>
+                <a:ea typeface="+mn-ea"/>
+                <a:cs typeface="+mn-cs"/>
+              </a:defRPr>
+            </a:lvl4pPr>
+            <a:lvl5pPr marL="2057400" indent="-228600" algn="l" defTabSz="914400" rtl="0" eaLnBrk="1" latinLnBrk="0" hangingPunct="1">
+              <a:lnSpc>
+                <a:spcPct val="90000"/>
+              </a:lnSpc>
+              <a:spcBef>
+                <a:spcPts val="500"/>
+              </a:spcBef>
+              <a:buFont typeface="Arial" panose="020B0604020202020204" pitchFamily="34" charset="0"/>
+              <a:buChar char="•"/>
+              <a:defRPr sz="1800" kern="1200">
+                <a:solidFill>
+                  <a:schemeClr val="tx1"/>
+                </a:solidFill>
+                <a:latin typeface="+mn-lt"/>
+                <a:ea typeface="+mn-ea"/>
+                <a:cs typeface="+mn-cs"/>
+              </a:defRPr>
+            </a:lvl5pPr>
+            <a:lvl6pPr marL="2514600" indent="-228600" algn="l" defTabSz="914400" rtl="0" eaLnBrk="1" latinLnBrk="0" hangingPunct="1">
+              <a:lnSpc>
+                <a:spcPct val="90000"/>
+              </a:lnSpc>
+              <a:spcBef>
+                <a:spcPts val="500"/>
+              </a:spcBef>
+              <a:buFont typeface="Arial" panose="020B0604020202020204" pitchFamily="34" charset="0"/>
+              <a:buChar char="•"/>
+              <a:defRPr sz="1800" kern="1200">
+                <a:solidFill>
+                  <a:schemeClr val="tx1"/>
+                </a:solidFill>
+                <a:latin typeface="+mn-lt"/>
+                <a:ea typeface="+mn-ea"/>
+                <a:cs typeface="+mn-cs"/>
+              </a:defRPr>
+            </a:lvl6pPr>
+            <a:lvl7pPr marL="2971800" indent="-228600" algn="l" defTabSz="914400" rtl="0" eaLnBrk="1" latinLnBrk="0" hangingPunct="1">
+              <a:lnSpc>
+                <a:spcPct val="90000"/>
+              </a:lnSpc>
+              <a:spcBef>
+                <a:spcPts val="500"/>
+              </a:spcBef>
+              <a:buFont typeface="Arial" panose="020B0604020202020204" pitchFamily="34" charset="0"/>
+              <a:buChar char="•"/>
+              <a:defRPr sz="1800" kern="1200">
+                <a:solidFill>
+                  <a:schemeClr val="tx1"/>
+                </a:solidFill>
+                <a:latin typeface="+mn-lt"/>
+                <a:ea typeface="+mn-ea"/>
+                <a:cs typeface="+mn-cs"/>
+              </a:defRPr>
+            </a:lvl7pPr>
+            <a:lvl8pPr marL="3429000" indent="-228600" algn="l" defTabSz="914400" rtl="0" eaLnBrk="1" latinLnBrk="0" hangingPunct="1">
+              <a:lnSpc>
+                <a:spcPct val="90000"/>
+              </a:lnSpc>
+              <a:spcBef>
+                <a:spcPts val="500"/>
+              </a:spcBef>
+              <a:buFont typeface="Arial" panose="020B0604020202020204" pitchFamily="34" charset="0"/>
+              <a:buChar char="•"/>
+              <a:defRPr sz="1800" kern="1200">
+                <a:solidFill>
+                  <a:schemeClr val="tx1"/>
+                </a:solidFill>
+                <a:latin typeface="+mn-lt"/>
+                <a:ea typeface="+mn-ea"/>
+                <a:cs typeface="+mn-cs"/>
+              </a:defRPr>
+            </a:lvl8pPr>
+            <a:lvl9pPr marL="3886200" indent="-228600" algn="l" defTabSz="914400" rtl="0" eaLnBrk="1" latinLnBrk="0" hangingPunct="1">
+              <a:lnSpc>
+                <a:spcPct val="90000"/>
+              </a:lnSpc>
+              <a:spcBef>
+                <a:spcPts val="500"/>
+              </a:spcBef>
+              <a:buFont typeface="Arial" panose="020B0604020202020204" pitchFamily="34" charset="0"/>
+              <a:buChar char="•"/>
+              <a:defRPr sz="1800" kern="1200">
+                <a:solidFill>
+                  <a:schemeClr val="tx1"/>
+                </a:solidFill>
+                <a:latin typeface="+mn-lt"/>
+                <a:ea typeface="+mn-ea"/>
+                <a:cs typeface="+mn-cs"/>
+              </a:defRPr>
+            </a:lvl9pPr>
+          </a:lstStyle>
+          <a:p>
+            <a:pPr marL="0" indent="0" algn="ctr">
+              <a:buNone/>
+            </a:pPr>
+            <a:r>
+              <a:rPr lang="pt-BR" sz="3600" b="1" dirty="0">
+                <a:solidFill>
+                  <a:schemeClr val="tx1">
+                    <a:lumMod val="50000"/>
+                    <a:lumOff val="50000"/>
+                  </a:schemeClr>
+                </a:solidFill>
+                <a:latin typeface="Calibri Light" panose="020F0302020204030204" pitchFamily="34" charset="0"/>
+                <a:cs typeface="Calibri Light" panose="020F0302020204030204" pitchFamily="34" charset="0"/>
+              </a:rPr>
+              <a:t>validator.w3.org</a:t>
+            </a:r>
+            <a:endParaRPr lang="pt-BR" sz="3600" b="1" dirty="0" smtClean="0">
+              <a:solidFill>
+                <a:schemeClr val="tx1">
+                  <a:lumMod val="50000"/>
+                  <a:lumOff val="50000"/>
+                </a:schemeClr>
+              </a:solidFill>
+              <a:latin typeface="Calibri Light" panose="020F0302020204030204" pitchFamily="34" charset="0"/>
+              <a:cs typeface="Calibri Light" panose="020F0302020204030204" pitchFamily="34" charset="0"/>
+            </a:endParaRPr>
+          </a:p>
+        </p:txBody>
+      </p:sp>
+      <p:pic>
+        <p:nvPicPr>
+          <p:cNvPr id="5" name="Imagem 4"/>
+          <p:cNvPicPr>
+            <a:picLocks noChangeAspect="1"/>
+          </p:cNvPicPr>
+          <p:nvPr/>
+        </p:nvPicPr>
+        <p:blipFill rotWithShape="1">
+          <a:blip r:embed="rId3"/>
+          <a:srcRect l="1181" t="13884" r="42152" b="51941"/>
+          <a:stretch/>
+        </p:blipFill>
+        <p:spPr>
+          <a:xfrm>
+            <a:off x="1054100" y="2209121"/>
+            <a:ext cx="10363200" cy="3352801"/>
+          </a:xfrm>
+          <a:prstGeom prst="rect">
+            <a:avLst/>
+          </a:prstGeom>
+        </p:spPr>
+      </p:pic>
+      <p:pic>
+        <p:nvPicPr>
+          <p:cNvPr id="6" name="Imagem 5"/>
+          <p:cNvPicPr>
+            <a:picLocks noChangeAspect="1"/>
+          </p:cNvPicPr>
+          <p:nvPr/>
+        </p:nvPicPr>
+        <p:blipFill>
+          <a:blip r:embed="rId4" cstate="print">
+            <a:extLst>
+              <a:ext uri="{28A0092B-C50C-407E-A947-70E740481C1C}">
+                <a14:useLocalDpi xmlns:a14="http://schemas.microsoft.com/office/drawing/2010/main" val="0"/>
+              </a:ext>
+            </a:extLst>
+          </a:blip>
+          <a:stretch>
+            <a:fillRect/>
+          </a:stretch>
+        </p:blipFill>
+        <p:spPr>
+          <a:xfrm>
+            <a:off x="10469880" y="5227320"/>
+            <a:ext cx="1461586" cy="1461586"/>
+          </a:xfrm>
+          <a:prstGeom prst="rect">
+            <a:avLst/>
+          </a:prstGeom>
+        </p:spPr>
+      </p:pic>
+    </p:spTree>
+    <p:extLst>
+      <p:ext uri="{BB962C8B-B14F-4D97-AF65-F5344CB8AC3E}">
+        <p14:creationId xmlns:p14="http://schemas.microsoft.com/office/powerpoint/2010/main" val="1586332019"/>
+      </p:ext>
+    </p:extLst>
+  </p:cSld>
+  <p:clrMapOvr>
+    <a:masterClrMapping/>
+  </p:clrMapOvr>
+  <p:timing>
+    <p:tnLst>
+      <p:par>
+        <p:cTn id="1" dur="indefinite" restart="never" nodeType="tmRoot"/>
+      </p:par>
+    </p:tnLst>
+  </p:timing>
+</p:sld>
+</file>
+
+<file path=ppt/slides/slide14.xml><?xml version="1.0" encoding="utf-8"?>
+<p:sld xmlns:a="http://schemas.openxmlformats.org/drawingml/2006/main" xmlns:r="http://schemas.openxmlformats.org/officeDocument/2006/relationships" xmlns:p="http://schemas.openxmlformats.org/presentationml/2006/main">
+  <p:cSld>
+    <p:spTree>
+      <p:nvGrpSpPr>
+        <p:cNvPr id="1" name=""/>
+        <p:cNvGrpSpPr/>
+        <p:nvPr/>
+      </p:nvGrpSpPr>
+      <p:grpSpPr>
+        <a:xfrm>
+          <a:off x="0" y="0"/>
+          <a:ext cx="0" cy="0"/>
+          <a:chOff x="0" y="0"/>
+          <a:chExt cx="0" cy="0"/>
+        </a:xfrm>
+      </p:grpSpPr>
+      <p:pic>
+        <p:nvPicPr>
+          <p:cNvPr id="7" name="Imagem 6"/>
+          <p:cNvPicPr>
+            <a:picLocks noChangeAspect="1"/>
+          </p:cNvPicPr>
+          <p:nvPr/>
+        </p:nvPicPr>
+        <p:blipFill>
+          <a:blip r:embed="rId2" cstate="print">
+            <a:extLst>
+              <a:ext uri="{28A0092B-C50C-407E-A947-70E740481C1C}">
+                <a14:useLocalDpi xmlns:a14="http://schemas.microsoft.com/office/drawing/2010/main" val="0"/>
+              </a:ext>
+            </a:extLst>
+          </a:blip>
+          <a:stretch>
+            <a:fillRect/>
+          </a:stretch>
+        </p:blipFill>
+        <p:spPr>
+          <a:xfrm>
+            <a:off x="0" y="-1369"/>
+            <a:ext cx="12192000" cy="2024069"/>
+          </a:xfrm>
+          <a:prstGeom prst="rect">
+            <a:avLst/>
+          </a:prstGeom>
+        </p:spPr>
+      </p:pic>
+      <p:sp>
+        <p:nvSpPr>
+          <p:cNvPr id="2" name="Título 1"/>
+          <p:cNvSpPr txBox="1">
+            <a:spLocks/>
+          </p:cNvSpPr>
+          <p:nvPr/>
+        </p:nvSpPr>
+        <p:spPr>
+          <a:xfrm>
+            <a:off x="1800486" y="220837"/>
+            <a:ext cx="8431269" cy="657368"/>
+          </a:xfrm>
+          <a:prstGeom prst="rect">
+            <a:avLst/>
+          </a:prstGeom>
+        </p:spPr>
+        <p:txBody>
+          <a:bodyPr/>
+          <a:lstStyle>
+            <a:lvl1pPr algn="l" defTabSz="914400" rtl="0" eaLnBrk="1" latinLnBrk="0" hangingPunct="1">
+              <a:lnSpc>
+                <a:spcPct val="90000"/>
+              </a:lnSpc>
+              <a:spcBef>
+                <a:spcPct val="0"/>
+              </a:spcBef>
+              <a:buNone/>
+              <a:defRPr sz="4400" kern="1200">
+                <a:solidFill>
+                  <a:schemeClr val="tx1"/>
+                </a:solidFill>
+                <a:latin typeface="+mj-lt"/>
+                <a:ea typeface="+mj-ea"/>
+                <a:cs typeface="+mj-cs"/>
+              </a:defRPr>
+            </a:lvl1pPr>
+          </a:lstStyle>
+          <a:p>
+            <a:pPr algn="ctr"/>
+            <a:r>
+              <a:rPr lang="en-US" dirty="0" smtClean="0"/>
+              <a:t>VALIDAÇÕES</a:t>
+            </a:r>
+            <a:endParaRPr lang="pt-BR" dirty="0"/>
+          </a:p>
+        </p:txBody>
+      </p:sp>
+      <p:sp>
+        <p:nvSpPr>
+          <p:cNvPr id="3" name="Subtítulo 2"/>
+          <p:cNvSpPr txBox="1">
+            <a:spLocks/>
+          </p:cNvSpPr>
+          <p:nvPr/>
+        </p:nvSpPr>
+        <p:spPr>
+          <a:xfrm>
+            <a:off x="1524000" y="1064626"/>
+            <a:ext cx="9144000" cy="579799"/>
+          </a:xfrm>
+          <a:prstGeom prst="rect">
+            <a:avLst/>
+          </a:prstGeom>
+        </p:spPr>
+        <p:txBody>
+          <a:bodyPr/>
+          <a:lstStyle>
+            <a:lvl1pPr marL="228600" indent="-228600" algn="l" defTabSz="914400" rtl="0" eaLnBrk="1" latinLnBrk="0" hangingPunct="1">
+              <a:lnSpc>
+                <a:spcPct val="90000"/>
+              </a:lnSpc>
+              <a:spcBef>
+                <a:spcPts val="1000"/>
+              </a:spcBef>
+              <a:buFont typeface="Arial" panose="020B0604020202020204" pitchFamily="34" charset="0"/>
+              <a:buChar char="•"/>
+              <a:defRPr sz="2800" kern="1200">
+                <a:solidFill>
+                  <a:schemeClr val="tx1"/>
+                </a:solidFill>
+                <a:latin typeface="+mn-lt"/>
+                <a:ea typeface="+mn-ea"/>
+                <a:cs typeface="+mn-cs"/>
+              </a:defRPr>
+            </a:lvl1pPr>
+            <a:lvl2pPr marL="685800" indent="-228600" algn="l" defTabSz="914400" rtl="0" eaLnBrk="1" latinLnBrk="0" hangingPunct="1">
+              <a:lnSpc>
+                <a:spcPct val="90000"/>
+              </a:lnSpc>
+              <a:spcBef>
+                <a:spcPts val="500"/>
+              </a:spcBef>
+              <a:buFont typeface="Arial" panose="020B0604020202020204" pitchFamily="34" charset="0"/>
+              <a:buChar char="•"/>
+              <a:defRPr sz="2400" kern="1200">
+                <a:solidFill>
+                  <a:schemeClr val="tx1"/>
+                </a:solidFill>
+                <a:latin typeface="+mn-lt"/>
+                <a:ea typeface="+mn-ea"/>
+                <a:cs typeface="+mn-cs"/>
+              </a:defRPr>
+            </a:lvl2pPr>
+            <a:lvl3pPr marL="1143000" indent="-228600" algn="l" defTabSz="914400" rtl="0" eaLnBrk="1" latinLnBrk="0" hangingPunct="1">
+              <a:lnSpc>
+                <a:spcPct val="90000"/>
+              </a:lnSpc>
+              <a:spcBef>
+                <a:spcPts val="500"/>
+              </a:spcBef>
+              <a:buFont typeface="Arial" panose="020B0604020202020204" pitchFamily="34" charset="0"/>
+              <a:buChar char="•"/>
+              <a:defRPr sz="2000" kern="1200">
+                <a:solidFill>
+                  <a:schemeClr val="tx1"/>
+                </a:solidFill>
+                <a:latin typeface="+mn-lt"/>
+                <a:ea typeface="+mn-ea"/>
+                <a:cs typeface="+mn-cs"/>
+              </a:defRPr>
+            </a:lvl3pPr>
+            <a:lvl4pPr marL="1600200" indent="-228600" algn="l" defTabSz="914400" rtl="0" eaLnBrk="1" latinLnBrk="0" hangingPunct="1">
+              <a:lnSpc>
+                <a:spcPct val="90000"/>
+              </a:lnSpc>
+              <a:spcBef>
+                <a:spcPts val="500"/>
+              </a:spcBef>
+              <a:buFont typeface="Arial" panose="020B0604020202020204" pitchFamily="34" charset="0"/>
+              <a:buChar char="•"/>
+              <a:defRPr sz="1800" kern="1200">
+                <a:solidFill>
+                  <a:schemeClr val="tx1"/>
+                </a:solidFill>
+                <a:latin typeface="+mn-lt"/>
+                <a:ea typeface="+mn-ea"/>
+                <a:cs typeface="+mn-cs"/>
+              </a:defRPr>
+            </a:lvl4pPr>
+            <a:lvl5pPr marL="2057400" indent="-228600" algn="l" defTabSz="914400" rtl="0" eaLnBrk="1" latinLnBrk="0" hangingPunct="1">
+              <a:lnSpc>
+                <a:spcPct val="90000"/>
+              </a:lnSpc>
+              <a:spcBef>
+                <a:spcPts val="500"/>
+              </a:spcBef>
+              <a:buFont typeface="Arial" panose="020B0604020202020204" pitchFamily="34" charset="0"/>
+              <a:buChar char="•"/>
+              <a:defRPr sz="1800" kern="1200">
+                <a:solidFill>
+                  <a:schemeClr val="tx1"/>
+                </a:solidFill>
+                <a:latin typeface="+mn-lt"/>
+                <a:ea typeface="+mn-ea"/>
+                <a:cs typeface="+mn-cs"/>
+              </a:defRPr>
+            </a:lvl5pPr>
+            <a:lvl6pPr marL="2514600" indent="-228600" algn="l" defTabSz="914400" rtl="0" eaLnBrk="1" latinLnBrk="0" hangingPunct="1">
+              <a:lnSpc>
+                <a:spcPct val="90000"/>
+              </a:lnSpc>
+              <a:spcBef>
+                <a:spcPts val="500"/>
+              </a:spcBef>
+              <a:buFont typeface="Arial" panose="020B0604020202020204" pitchFamily="34" charset="0"/>
+              <a:buChar char="•"/>
+              <a:defRPr sz="1800" kern="1200">
+                <a:solidFill>
+                  <a:schemeClr val="tx1"/>
+                </a:solidFill>
+                <a:latin typeface="+mn-lt"/>
+                <a:ea typeface="+mn-ea"/>
+                <a:cs typeface="+mn-cs"/>
+              </a:defRPr>
+            </a:lvl6pPr>
+            <a:lvl7pPr marL="2971800" indent="-228600" algn="l" defTabSz="914400" rtl="0" eaLnBrk="1" latinLnBrk="0" hangingPunct="1">
+              <a:lnSpc>
+                <a:spcPct val="90000"/>
+              </a:lnSpc>
+              <a:spcBef>
+                <a:spcPts val="500"/>
+              </a:spcBef>
+              <a:buFont typeface="Arial" panose="020B0604020202020204" pitchFamily="34" charset="0"/>
+              <a:buChar char="•"/>
+              <a:defRPr sz="1800" kern="1200">
+                <a:solidFill>
+                  <a:schemeClr val="tx1"/>
+                </a:solidFill>
+                <a:latin typeface="+mn-lt"/>
+                <a:ea typeface="+mn-ea"/>
+                <a:cs typeface="+mn-cs"/>
+              </a:defRPr>
+            </a:lvl7pPr>
+            <a:lvl8pPr marL="3429000" indent="-228600" algn="l" defTabSz="914400" rtl="0" eaLnBrk="1" latinLnBrk="0" hangingPunct="1">
+              <a:lnSpc>
+                <a:spcPct val="90000"/>
+              </a:lnSpc>
+              <a:spcBef>
+                <a:spcPts val="500"/>
+              </a:spcBef>
+              <a:buFont typeface="Arial" panose="020B0604020202020204" pitchFamily="34" charset="0"/>
+              <a:buChar char="•"/>
+              <a:defRPr sz="1800" kern="1200">
+                <a:solidFill>
+                  <a:schemeClr val="tx1"/>
+                </a:solidFill>
+                <a:latin typeface="+mn-lt"/>
+                <a:ea typeface="+mn-ea"/>
+                <a:cs typeface="+mn-cs"/>
+              </a:defRPr>
+            </a:lvl8pPr>
+            <a:lvl9pPr marL="3886200" indent="-228600" algn="l" defTabSz="914400" rtl="0" eaLnBrk="1" latinLnBrk="0" hangingPunct="1">
+              <a:lnSpc>
+                <a:spcPct val="90000"/>
+              </a:lnSpc>
+              <a:spcBef>
+                <a:spcPts val="500"/>
+              </a:spcBef>
+              <a:buFont typeface="Arial" panose="020B0604020202020204" pitchFamily="34" charset="0"/>
+              <a:buChar char="•"/>
+              <a:defRPr sz="1800" kern="1200">
+                <a:solidFill>
+                  <a:schemeClr val="tx1"/>
+                </a:solidFill>
+                <a:latin typeface="+mn-lt"/>
+                <a:ea typeface="+mn-ea"/>
+                <a:cs typeface="+mn-cs"/>
+              </a:defRPr>
+            </a:lvl9pPr>
+          </a:lstStyle>
+          <a:p>
+            <a:pPr marL="0" indent="0" algn="ctr">
+              <a:buNone/>
+            </a:pPr>
+            <a:r>
+              <a:rPr lang="pt-BR" sz="3600" b="1" dirty="0">
+                <a:solidFill>
+                  <a:schemeClr val="tx1">
+                    <a:lumMod val="50000"/>
+                    <a:lumOff val="50000"/>
+                  </a:schemeClr>
+                </a:solidFill>
+                <a:latin typeface="Calibri Light" panose="020F0302020204030204" pitchFamily="34" charset="0"/>
+                <a:cs typeface="Calibri Light" panose="020F0302020204030204" pitchFamily="34" charset="0"/>
+              </a:rPr>
+              <a:t>validator.w3.org</a:t>
+            </a:r>
+            <a:endParaRPr lang="pt-BR" sz="3600" b="1" dirty="0" smtClean="0">
+              <a:solidFill>
+                <a:schemeClr val="tx1">
+                  <a:lumMod val="50000"/>
+                  <a:lumOff val="50000"/>
+                </a:schemeClr>
+              </a:solidFill>
+              <a:latin typeface="Calibri Light" panose="020F0302020204030204" pitchFamily="34" charset="0"/>
+              <a:cs typeface="Calibri Light" panose="020F0302020204030204" pitchFamily="34" charset="0"/>
+            </a:endParaRPr>
+          </a:p>
+        </p:txBody>
+      </p:sp>
+      <p:pic>
+        <p:nvPicPr>
+          <p:cNvPr id="4" name="Imagem 3"/>
+          <p:cNvPicPr>
+            <a:picLocks noChangeAspect="1"/>
+          </p:cNvPicPr>
+          <p:nvPr/>
+        </p:nvPicPr>
+        <p:blipFill rotWithShape="1">
+          <a:blip r:embed="rId3"/>
+          <a:srcRect t="13754" r="37986" b="52071"/>
+          <a:stretch/>
+        </p:blipFill>
+        <p:spPr>
+          <a:xfrm>
+            <a:off x="345570" y="2209121"/>
+            <a:ext cx="11341100" cy="3352801"/>
+          </a:xfrm>
+          <a:prstGeom prst="rect">
+            <a:avLst/>
+          </a:prstGeom>
+        </p:spPr>
+      </p:pic>
+      <p:pic>
+        <p:nvPicPr>
+          <p:cNvPr id="6" name="Imagem 5"/>
+          <p:cNvPicPr>
+            <a:picLocks noChangeAspect="1"/>
+          </p:cNvPicPr>
+          <p:nvPr/>
+        </p:nvPicPr>
+        <p:blipFill>
+          <a:blip r:embed="rId4" cstate="print">
+            <a:extLst>
+              <a:ext uri="{28A0092B-C50C-407E-A947-70E740481C1C}">
+                <a14:useLocalDpi xmlns:a14="http://schemas.microsoft.com/office/drawing/2010/main" val="0"/>
+              </a:ext>
+            </a:extLst>
+          </a:blip>
+          <a:stretch>
+            <a:fillRect/>
+          </a:stretch>
+        </p:blipFill>
+        <p:spPr>
+          <a:xfrm>
+            <a:off x="10469880" y="5227320"/>
+            <a:ext cx="1461586" cy="1461586"/>
+          </a:xfrm>
+          <a:prstGeom prst="rect">
+            <a:avLst/>
+          </a:prstGeom>
+        </p:spPr>
+      </p:pic>
+    </p:spTree>
+    <p:extLst>
+      <p:ext uri="{BB962C8B-B14F-4D97-AF65-F5344CB8AC3E}">
+        <p14:creationId xmlns:p14="http://schemas.microsoft.com/office/powerpoint/2010/main" val="1562079737"/>
+      </p:ext>
+    </p:extLst>
+  </p:cSld>
+  <p:clrMapOvr>
+    <a:masterClrMapping/>
+  </p:clrMapOvr>
+  <p:timing>
+    <p:tnLst>
+      <p:par>
+        <p:cTn id="1" dur="indefinite" restart="never" nodeType="tmRoot"/>
+      </p:par>
+    </p:tnLst>
+  </p:timing>
+</p:sld>
+</file>
+
+<file path=ppt/slides/slide15.xml><?xml version="1.0" encoding="utf-8"?>
+<p:sld xmlns:a="http://schemas.openxmlformats.org/drawingml/2006/main" xmlns:r="http://schemas.openxmlformats.org/officeDocument/2006/relationships" xmlns:p="http://schemas.openxmlformats.org/presentationml/2006/main">
+  <p:cSld>
+    <p:spTree>
+      <p:nvGrpSpPr>
+        <p:cNvPr id="1" name=""/>
+        <p:cNvGrpSpPr/>
+        <p:nvPr/>
+      </p:nvGrpSpPr>
+      <p:grpSpPr>
+        <a:xfrm>
+          <a:off x="0" y="0"/>
+          <a:ext cx="0" cy="0"/>
+          <a:chOff x="0" y="0"/>
+          <a:chExt cx="0" cy="0"/>
+        </a:xfrm>
+      </p:grpSpPr>
+      <p:pic>
+        <p:nvPicPr>
+          <p:cNvPr id="7" name="Imagem 6"/>
+          <p:cNvPicPr>
+            <a:picLocks noChangeAspect="1"/>
+          </p:cNvPicPr>
+          <p:nvPr/>
+        </p:nvPicPr>
+        <p:blipFill>
+          <a:blip r:embed="rId2" cstate="print">
+            <a:extLst>
+              <a:ext uri="{28A0092B-C50C-407E-A947-70E740481C1C}">
+                <a14:useLocalDpi xmlns:a14="http://schemas.microsoft.com/office/drawing/2010/main" val="0"/>
+              </a:ext>
+            </a:extLst>
+          </a:blip>
+          <a:stretch>
+            <a:fillRect/>
+          </a:stretch>
+        </p:blipFill>
+        <p:spPr>
+          <a:xfrm>
+            <a:off x="0" y="-1369"/>
+            <a:ext cx="12192000" cy="2024069"/>
+          </a:xfrm>
+          <a:prstGeom prst="rect">
+            <a:avLst/>
+          </a:prstGeom>
+        </p:spPr>
+      </p:pic>
+      <p:sp>
+        <p:nvSpPr>
+          <p:cNvPr id="2" name="Título 1"/>
+          <p:cNvSpPr txBox="1">
+            <a:spLocks/>
+          </p:cNvSpPr>
+          <p:nvPr/>
+        </p:nvSpPr>
+        <p:spPr>
+          <a:xfrm>
+            <a:off x="1800486" y="220837"/>
+            <a:ext cx="8431269" cy="657368"/>
+          </a:xfrm>
+          <a:prstGeom prst="rect">
+            <a:avLst/>
+          </a:prstGeom>
+        </p:spPr>
+        <p:txBody>
+          <a:bodyPr/>
+          <a:lstStyle>
+            <a:lvl1pPr algn="l" defTabSz="914400" rtl="0" eaLnBrk="1" latinLnBrk="0" hangingPunct="1">
+              <a:lnSpc>
+                <a:spcPct val="90000"/>
+              </a:lnSpc>
+              <a:spcBef>
+                <a:spcPct val="0"/>
+              </a:spcBef>
+              <a:buNone/>
+              <a:defRPr sz="4400" kern="1200">
+                <a:solidFill>
+                  <a:schemeClr val="tx1"/>
+                </a:solidFill>
+                <a:latin typeface="+mj-lt"/>
+                <a:ea typeface="+mj-ea"/>
+                <a:cs typeface="+mj-cs"/>
+              </a:defRPr>
+            </a:lvl1pPr>
+          </a:lstStyle>
+          <a:p>
+            <a:pPr algn="ctr"/>
+            <a:r>
+              <a:rPr lang="en-US" dirty="0" smtClean="0"/>
+              <a:t>VALIDAÇÕES</a:t>
+            </a:r>
+            <a:endParaRPr lang="pt-BR" dirty="0"/>
+          </a:p>
+        </p:txBody>
+      </p:sp>
+      <p:sp>
+        <p:nvSpPr>
+          <p:cNvPr id="3" name="Subtítulo 2"/>
+          <p:cNvSpPr txBox="1">
+            <a:spLocks/>
+          </p:cNvSpPr>
+          <p:nvPr/>
+        </p:nvSpPr>
+        <p:spPr>
+          <a:xfrm>
+            <a:off x="1524000" y="1064626"/>
+            <a:ext cx="9144000" cy="579799"/>
+          </a:xfrm>
+          <a:prstGeom prst="rect">
+            <a:avLst/>
+          </a:prstGeom>
+        </p:spPr>
+        <p:txBody>
+          <a:bodyPr/>
+          <a:lstStyle>
+            <a:lvl1pPr marL="228600" indent="-228600" algn="l" defTabSz="914400" rtl="0" eaLnBrk="1" latinLnBrk="0" hangingPunct="1">
+              <a:lnSpc>
+                <a:spcPct val="90000"/>
+              </a:lnSpc>
+              <a:spcBef>
+                <a:spcPts val="1000"/>
+              </a:spcBef>
+              <a:buFont typeface="Arial" panose="020B0604020202020204" pitchFamily="34" charset="0"/>
+              <a:buChar char="•"/>
+              <a:defRPr sz="2800" kern="1200">
+                <a:solidFill>
+                  <a:schemeClr val="tx1"/>
+                </a:solidFill>
+                <a:latin typeface="+mn-lt"/>
+                <a:ea typeface="+mn-ea"/>
+                <a:cs typeface="+mn-cs"/>
+              </a:defRPr>
+            </a:lvl1pPr>
+            <a:lvl2pPr marL="685800" indent="-228600" algn="l" defTabSz="914400" rtl="0" eaLnBrk="1" latinLnBrk="0" hangingPunct="1">
+              <a:lnSpc>
+                <a:spcPct val="90000"/>
+              </a:lnSpc>
+              <a:spcBef>
+                <a:spcPts val="500"/>
+              </a:spcBef>
+              <a:buFont typeface="Arial" panose="020B0604020202020204" pitchFamily="34" charset="0"/>
+              <a:buChar char="•"/>
+              <a:defRPr sz="2400" kern="1200">
+                <a:solidFill>
+                  <a:schemeClr val="tx1"/>
+                </a:solidFill>
+                <a:latin typeface="+mn-lt"/>
+                <a:ea typeface="+mn-ea"/>
+                <a:cs typeface="+mn-cs"/>
+              </a:defRPr>
+            </a:lvl2pPr>
+            <a:lvl3pPr marL="1143000" indent="-228600" algn="l" defTabSz="914400" rtl="0" eaLnBrk="1" latinLnBrk="0" hangingPunct="1">
+              <a:lnSpc>
+                <a:spcPct val="90000"/>
+              </a:lnSpc>
+              <a:spcBef>
+                <a:spcPts val="500"/>
+              </a:spcBef>
+              <a:buFont typeface="Arial" panose="020B0604020202020204" pitchFamily="34" charset="0"/>
+              <a:buChar char="•"/>
+              <a:defRPr sz="2000" kern="1200">
+                <a:solidFill>
+                  <a:schemeClr val="tx1"/>
+                </a:solidFill>
+                <a:latin typeface="+mn-lt"/>
+                <a:ea typeface="+mn-ea"/>
+                <a:cs typeface="+mn-cs"/>
+              </a:defRPr>
+            </a:lvl3pPr>
+            <a:lvl4pPr marL="1600200" indent="-228600" algn="l" defTabSz="914400" rtl="0" eaLnBrk="1" latinLnBrk="0" hangingPunct="1">
+              <a:lnSpc>
+                <a:spcPct val="90000"/>
+              </a:lnSpc>
+              <a:spcBef>
+                <a:spcPts val="500"/>
+              </a:spcBef>
+              <a:buFont typeface="Arial" panose="020B0604020202020204" pitchFamily="34" charset="0"/>
+              <a:buChar char="•"/>
+              <a:defRPr sz="1800" kern="1200">
+                <a:solidFill>
+                  <a:schemeClr val="tx1"/>
+                </a:solidFill>
+                <a:latin typeface="+mn-lt"/>
+                <a:ea typeface="+mn-ea"/>
+                <a:cs typeface="+mn-cs"/>
+              </a:defRPr>
+            </a:lvl4pPr>
+            <a:lvl5pPr marL="2057400" indent="-228600" algn="l" defTabSz="914400" rtl="0" eaLnBrk="1" latinLnBrk="0" hangingPunct="1">
+              <a:lnSpc>
+                <a:spcPct val="90000"/>
+              </a:lnSpc>
+              <a:spcBef>
+                <a:spcPts val="500"/>
+              </a:spcBef>
+              <a:buFont typeface="Arial" panose="020B0604020202020204" pitchFamily="34" charset="0"/>
+              <a:buChar char="•"/>
+              <a:defRPr sz="1800" kern="1200">
+                <a:solidFill>
+                  <a:schemeClr val="tx1"/>
+                </a:solidFill>
+                <a:latin typeface="+mn-lt"/>
+                <a:ea typeface="+mn-ea"/>
+                <a:cs typeface="+mn-cs"/>
+              </a:defRPr>
+            </a:lvl5pPr>
+            <a:lvl6pPr marL="2514600" indent="-228600" algn="l" defTabSz="914400" rtl="0" eaLnBrk="1" latinLnBrk="0" hangingPunct="1">
+              <a:lnSpc>
+                <a:spcPct val="90000"/>
+              </a:lnSpc>
+              <a:spcBef>
+                <a:spcPts val="500"/>
+              </a:spcBef>
+              <a:buFont typeface="Arial" panose="020B0604020202020204" pitchFamily="34" charset="0"/>
+              <a:buChar char="•"/>
+              <a:defRPr sz="1800" kern="1200">
+                <a:solidFill>
+                  <a:schemeClr val="tx1"/>
+                </a:solidFill>
+                <a:latin typeface="+mn-lt"/>
+                <a:ea typeface="+mn-ea"/>
+                <a:cs typeface="+mn-cs"/>
+              </a:defRPr>
+            </a:lvl6pPr>
+            <a:lvl7pPr marL="2971800" indent="-228600" algn="l" defTabSz="914400" rtl="0" eaLnBrk="1" latinLnBrk="0" hangingPunct="1">
+              <a:lnSpc>
+                <a:spcPct val="90000"/>
+              </a:lnSpc>
+              <a:spcBef>
+                <a:spcPts val="500"/>
+              </a:spcBef>
+              <a:buFont typeface="Arial" panose="020B0604020202020204" pitchFamily="34" charset="0"/>
+              <a:buChar char="•"/>
+              <a:defRPr sz="1800" kern="1200">
+                <a:solidFill>
+                  <a:schemeClr val="tx1"/>
+                </a:solidFill>
+                <a:latin typeface="+mn-lt"/>
+                <a:ea typeface="+mn-ea"/>
+                <a:cs typeface="+mn-cs"/>
+              </a:defRPr>
+            </a:lvl7pPr>
+            <a:lvl8pPr marL="3429000" indent="-228600" algn="l" defTabSz="914400" rtl="0" eaLnBrk="1" latinLnBrk="0" hangingPunct="1">
+              <a:lnSpc>
+                <a:spcPct val="90000"/>
+              </a:lnSpc>
+              <a:spcBef>
+                <a:spcPts val="500"/>
+              </a:spcBef>
+              <a:buFont typeface="Arial" panose="020B0604020202020204" pitchFamily="34" charset="0"/>
+              <a:buChar char="•"/>
+              <a:defRPr sz="1800" kern="1200">
+                <a:solidFill>
+                  <a:schemeClr val="tx1"/>
+                </a:solidFill>
+                <a:latin typeface="+mn-lt"/>
+                <a:ea typeface="+mn-ea"/>
+                <a:cs typeface="+mn-cs"/>
+              </a:defRPr>
+            </a:lvl8pPr>
+            <a:lvl9pPr marL="3886200" indent="-228600" algn="l" defTabSz="914400" rtl="0" eaLnBrk="1" latinLnBrk="0" hangingPunct="1">
+              <a:lnSpc>
+                <a:spcPct val="90000"/>
+              </a:lnSpc>
+              <a:spcBef>
+                <a:spcPts val="500"/>
+              </a:spcBef>
+              <a:buFont typeface="Arial" panose="020B0604020202020204" pitchFamily="34" charset="0"/>
+              <a:buChar char="•"/>
+              <a:defRPr sz="1800" kern="1200">
+                <a:solidFill>
+                  <a:schemeClr val="tx1"/>
+                </a:solidFill>
+                <a:latin typeface="+mn-lt"/>
+                <a:ea typeface="+mn-ea"/>
+                <a:cs typeface="+mn-cs"/>
+              </a:defRPr>
+            </a:lvl9pPr>
+          </a:lstStyle>
+          <a:p>
+            <a:pPr marL="0" indent="0" algn="ctr">
+              <a:buNone/>
+            </a:pPr>
+            <a:r>
+              <a:rPr lang="pt-BR" sz="3600" b="1" dirty="0">
+                <a:solidFill>
+                  <a:schemeClr val="tx1">
+                    <a:lumMod val="50000"/>
+                    <a:lumOff val="50000"/>
+                  </a:schemeClr>
+                </a:solidFill>
+                <a:latin typeface="Calibri Light" panose="020F0302020204030204" pitchFamily="34" charset="0"/>
+                <a:cs typeface="Calibri Light" panose="020F0302020204030204" pitchFamily="34" charset="0"/>
+              </a:rPr>
+              <a:t>validator.w3.org</a:t>
+            </a:r>
+            <a:endParaRPr lang="pt-BR" sz="3600" b="1" dirty="0" smtClean="0">
+              <a:solidFill>
+                <a:schemeClr val="tx1">
+                  <a:lumMod val="50000"/>
+                  <a:lumOff val="50000"/>
+                </a:schemeClr>
+              </a:solidFill>
+              <a:latin typeface="Calibri Light" panose="020F0302020204030204" pitchFamily="34" charset="0"/>
+              <a:cs typeface="Calibri Light" panose="020F0302020204030204" pitchFamily="34" charset="0"/>
+            </a:endParaRPr>
+          </a:p>
+        </p:txBody>
+      </p:sp>
+      <p:pic>
+        <p:nvPicPr>
+          <p:cNvPr id="5" name="Imagem 4"/>
+          <p:cNvPicPr>
+            <a:picLocks noChangeAspect="1"/>
+          </p:cNvPicPr>
+          <p:nvPr/>
+        </p:nvPicPr>
+        <p:blipFill rotWithShape="1">
+          <a:blip r:embed="rId3"/>
+          <a:srcRect l="1389" t="12848" r="40000" b="52071"/>
+          <a:stretch/>
+        </p:blipFill>
+        <p:spPr>
+          <a:xfrm>
+            <a:off x="656720" y="2022700"/>
+            <a:ext cx="10718800" cy="3441701"/>
+          </a:xfrm>
+          <a:prstGeom prst="rect">
+            <a:avLst/>
+          </a:prstGeom>
+        </p:spPr>
+      </p:pic>
+      <p:pic>
+        <p:nvPicPr>
+          <p:cNvPr id="6" name="Imagem 5"/>
+          <p:cNvPicPr>
+            <a:picLocks noChangeAspect="1"/>
+          </p:cNvPicPr>
+          <p:nvPr/>
+        </p:nvPicPr>
+        <p:blipFill>
+          <a:blip r:embed="rId4" cstate="print">
+            <a:extLst>
+              <a:ext uri="{28A0092B-C50C-407E-A947-70E740481C1C}">
+                <a14:useLocalDpi xmlns:a14="http://schemas.microsoft.com/office/drawing/2010/main" val="0"/>
+              </a:ext>
+            </a:extLst>
+          </a:blip>
+          <a:stretch>
+            <a:fillRect/>
+          </a:stretch>
+        </p:blipFill>
+        <p:spPr>
+          <a:xfrm>
+            <a:off x="10469880" y="5227320"/>
+            <a:ext cx="1461586" cy="1461586"/>
+          </a:xfrm>
+          <a:prstGeom prst="rect">
+            <a:avLst/>
+          </a:prstGeom>
+        </p:spPr>
+      </p:pic>
+    </p:spTree>
+    <p:extLst>
+      <p:ext uri="{BB962C8B-B14F-4D97-AF65-F5344CB8AC3E}">
+        <p14:creationId xmlns:p14="http://schemas.microsoft.com/office/powerpoint/2010/main" val="1837537499"/>
+      </p:ext>
+    </p:extLst>
+  </p:cSld>
+  <p:clrMapOvr>
+    <a:masterClrMapping/>
+  </p:clrMapOvr>
+  <p:timing>
+    <p:tnLst>
+      <p:par>
+        <p:cTn id="1" dur="indefinite" restart="never" nodeType="tmRoot"/>
+      </p:par>
+    </p:tnLst>
+  </p:timing>
+</p:sld>
+</file>
+
+<file path=ppt/slides/slide16.xml><?xml version="1.0" encoding="utf-8"?>
+<p:sld xmlns:a="http://schemas.openxmlformats.org/drawingml/2006/main" xmlns:r="http://schemas.openxmlformats.org/officeDocument/2006/relationships" xmlns:p="http://schemas.openxmlformats.org/presentationml/2006/main">
+  <p:cSld>
+    <p:spTree>
+      <p:nvGrpSpPr>
+        <p:cNvPr id="1" name=""/>
+        <p:cNvGrpSpPr/>
+        <p:nvPr/>
+      </p:nvGrpSpPr>
+      <p:grpSpPr>
+        <a:xfrm>
+          <a:off x="0" y="0"/>
+          <a:ext cx="0" cy="0"/>
+          <a:chOff x="0" y="0"/>
+          <a:chExt cx="0" cy="0"/>
+        </a:xfrm>
+      </p:grpSpPr>
+      <p:pic>
+        <p:nvPicPr>
+          <p:cNvPr id="7" name="Imagem 6"/>
+          <p:cNvPicPr>
+            <a:picLocks noChangeAspect="1"/>
+          </p:cNvPicPr>
+          <p:nvPr/>
+        </p:nvPicPr>
+        <p:blipFill>
+          <a:blip r:embed="rId2" cstate="print">
+            <a:extLst>
+              <a:ext uri="{28A0092B-C50C-407E-A947-70E740481C1C}">
+                <a14:useLocalDpi xmlns:a14="http://schemas.microsoft.com/office/drawing/2010/main" val="0"/>
+              </a:ext>
+            </a:extLst>
+          </a:blip>
+          <a:stretch>
+            <a:fillRect/>
+          </a:stretch>
+        </p:blipFill>
+        <p:spPr>
+          <a:xfrm>
+            <a:off x="0" y="-1369"/>
+            <a:ext cx="12192000" cy="2024069"/>
+          </a:xfrm>
+          <a:prstGeom prst="rect">
+            <a:avLst/>
+          </a:prstGeom>
+        </p:spPr>
+      </p:pic>
+      <p:sp>
+        <p:nvSpPr>
+          <p:cNvPr id="2" name="Título 1"/>
+          <p:cNvSpPr txBox="1">
+            <a:spLocks/>
+          </p:cNvSpPr>
+          <p:nvPr/>
+        </p:nvSpPr>
+        <p:spPr>
+          <a:xfrm>
+            <a:off x="1800486" y="220837"/>
+            <a:ext cx="8431269" cy="657368"/>
+          </a:xfrm>
+          <a:prstGeom prst="rect">
+            <a:avLst/>
+          </a:prstGeom>
+        </p:spPr>
+        <p:txBody>
+          <a:bodyPr/>
+          <a:lstStyle>
+            <a:lvl1pPr algn="l" defTabSz="914400" rtl="0" eaLnBrk="1" latinLnBrk="0" hangingPunct="1">
+              <a:lnSpc>
+                <a:spcPct val="90000"/>
+              </a:lnSpc>
+              <a:spcBef>
+                <a:spcPct val="0"/>
+              </a:spcBef>
+              <a:buNone/>
+              <a:defRPr sz="4400" kern="1200">
+                <a:solidFill>
+                  <a:schemeClr val="tx1"/>
+                </a:solidFill>
+                <a:latin typeface="+mj-lt"/>
+                <a:ea typeface="+mj-ea"/>
+                <a:cs typeface="+mj-cs"/>
+              </a:defRPr>
+            </a:lvl1pPr>
+          </a:lstStyle>
+          <a:p>
+            <a:pPr algn="ctr"/>
+            <a:r>
+              <a:rPr lang="en-US" dirty="0" smtClean="0"/>
+              <a:t>VALIDAÇÕES</a:t>
+            </a:r>
+            <a:endParaRPr lang="pt-BR" dirty="0"/>
+          </a:p>
+        </p:txBody>
+      </p:sp>
+      <p:sp>
+        <p:nvSpPr>
+          <p:cNvPr id="3" name="Subtítulo 2"/>
+          <p:cNvSpPr txBox="1">
+            <a:spLocks/>
+          </p:cNvSpPr>
+          <p:nvPr/>
+        </p:nvSpPr>
+        <p:spPr>
+          <a:xfrm>
+            <a:off x="1524000" y="1064626"/>
+            <a:ext cx="9144000" cy="579799"/>
+          </a:xfrm>
+          <a:prstGeom prst="rect">
+            <a:avLst/>
+          </a:prstGeom>
+        </p:spPr>
+        <p:txBody>
+          <a:bodyPr/>
+          <a:lstStyle>
+            <a:lvl1pPr marL="228600" indent="-228600" algn="l" defTabSz="914400" rtl="0" eaLnBrk="1" latinLnBrk="0" hangingPunct="1">
+              <a:lnSpc>
+                <a:spcPct val="90000"/>
+              </a:lnSpc>
+              <a:spcBef>
+                <a:spcPts val="1000"/>
+              </a:spcBef>
+              <a:buFont typeface="Arial" panose="020B0604020202020204" pitchFamily="34" charset="0"/>
+              <a:buChar char="•"/>
+              <a:defRPr sz="2800" kern="1200">
+                <a:solidFill>
+                  <a:schemeClr val="tx1"/>
+                </a:solidFill>
+                <a:latin typeface="+mn-lt"/>
+                <a:ea typeface="+mn-ea"/>
+                <a:cs typeface="+mn-cs"/>
+              </a:defRPr>
+            </a:lvl1pPr>
+            <a:lvl2pPr marL="685800" indent="-228600" algn="l" defTabSz="914400" rtl="0" eaLnBrk="1" latinLnBrk="0" hangingPunct="1">
+              <a:lnSpc>
+                <a:spcPct val="90000"/>
+              </a:lnSpc>
+              <a:spcBef>
+                <a:spcPts val="500"/>
+              </a:spcBef>
+              <a:buFont typeface="Arial" panose="020B0604020202020204" pitchFamily="34" charset="0"/>
+              <a:buChar char="•"/>
+              <a:defRPr sz="2400" kern="1200">
+                <a:solidFill>
+                  <a:schemeClr val="tx1"/>
+                </a:solidFill>
+                <a:latin typeface="+mn-lt"/>
+                <a:ea typeface="+mn-ea"/>
+                <a:cs typeface="+mn-cs"/>
+              </a:defRPr>
+            </a:lvl2pPr>
+            <a:lvl3pPr marL="1143000" indent="-228600" algn="l" defTabSz="914400" rtl="0" eaLnBrk="1" latinLnBrk="0" hangingPunct="1">
+              <a:lnSpc>
+                <a:spcPct val="90000"/>
+              </a:lnSpc>
+              <a:spcBef>
+                <a:spcPts val="500"/>
+              </a:spcBef>
+              <a:buFont typeface="Arial" panose="020B0604020202020204" pitchFamily="34" charset="0"/>
+              <a:buChar char="•"/>
+              <a:defRPr sz="2000" kern="1200">
+                <a:solidFill>
+                  <a:schemeClr val="tx1"/>
+                </a:solidFill>
+                <a:latin typeface="+mn-lt"/>
+                <a:ea typeface="+mn-ea"/>
+                <a:cs typeface="+mn-cs"/>
+              </a:defRPr>
+            </a:lvl3pPr>
+            <a:lvl4pPr marL="1600200" indent="-228600" algn="l" defTabSz="914400" rtl="0" eaLnBrk="1" latinLnBrk="0" hangingPunct="1">
+              <a:lnSpc>
+                <a:spcPct val="90000"/>
+              </a:lnSpc>
+              <a:spcBef>
+                <a:spcPts val="500"/>
+              </a:spcBef>
+              <a:buFont typeface="Arial" panose="020B0604020202020204" pitchFamily="34" charset="0"/>
+              <a:buChar char="•"/>
+              <a:defRPr sz="1800" kern="1200">
+                <a:solidFill>
+                  <a:schemeClr val="tx1"/>
+                </a:solidFill>
+                <a:latin typeface="+mn-lt"/>
+                <a:ea typeface="+mn-ea"/>
+                <a:cs typeface="+mn-cs"/>
+              </a:defRPr>
+            </a:lvl4pPr>
+            <a:lvl5pPr marL="2057400" indent="-228600" algn="l" defTabSz="914400" rtl="0" eaLnBrk="1" latinLnBrk="0" hangingPunct="1">
+              <a:lnSpc>
+                <a:spcPct val="90000"/>
+              </a:lnSpc>
+              <a:spcBef>
+                <a:spcPts val="500"/>
+              </a:spcBef>
+              <a:buFont typeface="Arial" panose="020B0604020202020204" pitchFamily="34" charset="0"/>
+              <a:buChar char="•"/>
+              <a:defRPr sz="1800" kern="1200">
+                <a:solidFill>
+                  <a:schemeClr val="tx1"/>
+                </a:solidFill>
+                <a:latin typeface="+mn-lt"/>
+                <a:ea typeface="+mn-ea"/>
+                <a:cs typeface="+mn-cs"/>
+              </a:defRPr>
+            </a:lvl5pPr>
+            <a:lvl6pPr marL="2514600" indent="-228600" algn="l" defTabSz="914400" rtl="0" eaLnBrk="1" latinLnBrk="0" hangingPunct="1">
+              <a:lnSpc>
+                <a:spcPct val="90000"/>
+              </a:lnSpc>
+              <a:spcBef>
+                <a:spcPts val="500"/>
+              </a:spcBef>
+              <a:buFont typeface="Arial" panose="020B0604020202020204" pitchFamily="34" charset="0"/>
+              <a:buChar char="•"/>
+              <a:defRPr sz="1800" kern="1200">
+                <a:solidFill>
+                  <a:schemeClr val="tx1"/>
+                </a:solidFill>
+                <a:latin typeface="+mn-lt"/>
+                <a:ea typeface="+mn-ea"/>
+                <a:cs typeface="+mn-cs"/>
+              </a:defRPr>
+            </a:lvl6pPr>
+            <a:lvl7pPr marL="2971800" indent="-228600" algn="l" defTabSz="914400" rtl="0" eaLnBrk="1" latinLnBrk="0" hangingPunct="1">
+              <a:lnSpc>
+                <a:spcPct val="90000"/>
+              </a:lnSpc>
+              <a:spcBef>
+                <a:spcPts val="500"/>
+              </a:spcBef>
+              <a:buFont typeface="Arial" panose="020B0604020202020204" pitchFamily="34" charset="0"/>
+              <a:buChar char="•"/>
+              <a:defRPr sz="1800" kern="1200">
+                <a:solidFill>
+                  <a:schemeClr val="tx1"/>
+                </a:solidFill>
+                <a:latin typeface="+mn-lt"/>
+                <a:ea typeface="+mn-ea"/>
+                <a:cs typeface="+mn-cs"/>
+              </a:defRPr>
+            </a:lvl7pPr>
+            <a:lvl8pPr marL="3429000" indent="-228600" algn="l" defTabSz="914400" rtl="0" eaLnBrk="1" latinLnBrk="0" hangingPunct="1">
+              <a:lnSpc>
+                <a:spcPct val="90000"/>
+              </a:lnSpc>
+              <a:spcBef>
+                <a:spcPts val="500"/>
+              </a:spcBef>
+              <a:buFont typeface="Arial" panose="020B0604020202020204" pitchFamily="34" charset="0"/>
+              <a:buChar char="•"/>
+              <a:defRPr sz="1800" kern="1200">
+                <a:solidFill>
+                  <a:schemeClr val="tx1"/>
+                </a:solidFill>
+                <a:latin typeface="+mn-lt"/>
+                <a:ea typeface="+mn-ea"/>
+                <a:cs typeface="+mn-cs"/>
+              </a:defRPr>
+            </a:lvl8pPr>
+            <a:lvl9pPr marL="3886200" indent="-228600" algn="l" defTabSz="914400" rtl="0" eaLnBrk="1" latinLnBrk="0" hangingPunct="1">
+              <a:lnSpc>
+                <a:spcPct val="90000"/>
+              </a:lnSpc>
+              <a:spcBef>
+                <a:spcPts val="500"/>
+              </a:spcBef>
+              <a:buFont typeface="Arial" panose="020B0604020202020204" pitchFamily="34" charset="0"/>
+              <a:buChar char="•"/>
+              <a:defRPr sz="1800" kern="1200">
+                <a:solidFill>
+                  <a:schemeClr val="tx1"/>
+                </a:solidFill>
+                <a:latin typeface="+mn-lt"/>
+                <a:ea typeface="+mn-ea"/>
+                <a:cs typeface="+mn-cs"/>
+              </a:defRPr>
+            </a:lvl9pPr>
+          </a:lstStyle>
+          <a:p>
+            <a:pPr marL="0" indent="0" algn="ctr">
+              <a:buNone/>
+            </a:pPr>
+            <a:r>
+              <a:rPr lang="pt-BR" sz="3600" b="1" dirty="0">
+                <a:solidFill>
+                  <a:schemeClr val="tx1">
+                    <a:lumMod val="50000"/>
+                    <a:lumOff val="50000"/>
+                  </a:schemeClr>
+                </a:solidFill>
+                <a:latin typeface="Calibri Light" panose="020F0302020204030204" pitchFamily="34" charset="0"/>
+                <a:cs typeface="Calibri Light" panose="020F0302020204030204" pitchFamily="34" charset="0"/>
+              </a:rPr>
+              <a:t>validator.w3.org</a:t>
+            </a:r>
+            <a:endParaRPr lang="pt-BR" sz="3600" b="1" dirty="0" smtClean="0">
+              <a:solidFill>
+                <a:schemeClr val="tx1">
+                  <a:lumMod val="50000"/>
+                  <a:lumOff val="50000"/>
+                </a:schemeClr>
+              </a:solidFill>
+              <a:latin typeface="Calibri Light" panose="020F0302020204030204" pitchFamily="34" charset="0"/>
+              <a:cs typeface="Calibri Light" panose="020F0302020204030204" pitchFamily="34" charset="0"/>
+            </a:endParaRPr>
+          </a:p>
+        </p:txBody>
+      </p:sp>
+      <p:pic>
+        <p:nvPicPr>
+          <p:cNvPr id="4" name="Imagem 3"/>
+          <p:cNvPicPr>
+            <a:picLocks noChangeAspect="1"/>
+          </p:cNvPicPr>
+          <p:nvPr/>
+        </p:nvPicPr>
+        <p:blipFill rotWithShape="1">
+          <a:blip r:embed="rId3"/>
+          <a:srcRect l="1180" t="13237" r="36944" b="52200"/>
+          <a:stretch/>
+        </p:blipFill>
+        <p:spPr>
+          <a:xfrm>
+            <a:off x="358270" y="2120221"/>
+            <a:ext cx="11315700" cy="3390901"/>
+          </a:xfrm>
+          <a:prstGeom prst="rect">
+            <a:avLst/>
+          </a:prstGeom>
+        </p:spPr>
+      </p:pic>
+      <p:pic>
+        <p:nvPicPr>
+          <p:cNvPr id="6" name="Imagem 5"/>
+          <p:cNvPicPr>
+            <a:picLocks noChangeAspect="1"/>
+          </p:cNvPicPr>
+          <p:nvPr/>
+        </p:nvPicPr>
+        <p:blipFill>
+          <a:blip r:embed="rId4" cstate="print">
+            <a:extLst>
+              <a:ext uri="{28A0092B-C50C-407E-A947-70E740481C1C}">
+                <a14:useLocalDpi xmlns:a14="http://schemas.microsoft.com/office/drawing/2010/main" val="0"/>
+              </a:ext>
+            </a:extLst>
+          </a:blip>
+          <a:stretch>
+            <a:fillRect/>
+          </a:stretch>
+        </p:blipFill>
+        <p:spPr>
+          <a:xfrm>
+            <a:off x="10469880" y="5227320"/>
+            <a:ext cx="1461586" cy="1461586"/>
+          </a:xfrm>
+          <a:prstGeom prst="rect">
+            <a:avLst/>
+          </a:prstGeom>
+        </p:spPr>
+      </p:pic>
+    </p:spTree>
+    <p:extLst>
+      <p:ext uri="{BB962C8B-B14F-4D97-AF65-F5344CB8AC3E}">
+        <p14:creationId xmlns:p14="http://schemas.microsoft.com/office/powerpoint/2010/main" val="2868428781"/>
+      </p:ext>
+    </p:extLst>
+  </p:cSld>
+  <p:clrMapOvr>
+    <a:masterClrMapping/>
+  </p:clrMapOvr>
+  <p:timing>
+    <p:tnLst>
+      <p:par>
+        <p:cTn id="1" dur="indefinite" restart="never" nodeType="tmRoot"/>
+      </p:par>
+    </p:tnLst>
+  </p:timing>
+</p:sld>
+</file>
+
+<file path=ppt/slides/slide17.xml><?xml version="1.0" encoding="utf-8"?>
+<p:sld xmlns:a="http://schemas.openxmlformats.org/drawingml/2006/main" xmlns:r="http://schemas.openxmlformats.org/officeDocument/2006/relationships" xmlns:p="http://schemas.openxmlformats.org/presentationml/2006/main">
+  <p:cSld>
+    <p:spTree>
+      <p:nvGrpSpPr>
+        <p:cNvPr id="1" name=""/>
+        <p:cNvGrpSpPr/>
+        <p:nvPr/>
+      </p:nvGrpSpPr>
+      <p:grpSpPr>
+        <a:xfrm>
+          <a:off x="0" y="0"/>
+          <a:ext cx="0" cy="0"/>
+          <a:chOff x="0" y="0"/>
+          <a:chExt cx="0" cy="0"/>
+        </a:xfrm>
+      </p:grpSpPr>
+      <p:pic>
+        <p:nvPicPr>
+          <p:cNvPr id="7" name="Imagem 6"/>
+          <p:cNvPicPr>
+            <a:picLocks noChangeAspect="1"/>
+          </p:cNvPicPr>
+          <p:nvPr/>
+        </p:nvPicPr>
+        <p:blipFill>
+          <a:blip r:embed="rId2" cstate="print">
+            <a:extLst>
+              <a:ext uri="{28A0092B-C50C-407E-A947-70E740481C1C}">
+                <a14:useLocalDpi xmlns:a14="http://schemas.microsoft.com/office/drawing/2010/main" val="0"/>
+              </a:ext>
+            </a:extLst>
+          </a:blip>
+          <a:stretch>
+            <a:fillRect/>
+          </a:stretch>
+        </p:blipFill>
+        <p:spPr>
+          <a:xfrm>
+            <a:off x="0" y="-1369"/>
+            <a:ext cx="12192000" cy="2024069"/>
+          </a:xfrm>
+          <a:prstGeom prst="rect">
+            <a:avLst/>
+          </a:prstGeom>
+        </p:spPr>
+      </p:pic>
+      <p:sp>
+        <p:nvSpPr>
+          <p:cNvPr id="2" name="Título 1"/>
+          <p:cNvSpPr txBox="1">
+            <a:spLocks/>
+          </p:cNvSpPr>
+          <p:nvPr/>
+        </p:nvSpPr>
+        <p:spPr>
+          <a:xfrm>
             <a:off x="1800486" y="1010665"/>
             <a:ext cx="8431269" cy="657368"/>
           </a:xfrm>
@@ -5062,7 +6546,7 @@
 </p:sld>
 </file>
 
-<file path=ppt/slides/slide14.xml><?xml version="1.0" encoding="utf-8"?>
+<file path=ppt/slides/slide18.xml><?xml version="1.0" encoding="utf-8"?>
 <p:sld xmlns:a="http://schemas.openxmlformats.org/drawingml/2006/main" xmlns:r="http://schemas.openxmlformats.org/officeDocument/2006/relationships" xmlns:p="http://schemas.openxmlformats.org/presentationml/2006/main">
   <p:cSld>
     <p:spTree>
@@ -5200,7 +6684,7 @@
 </p:sld>
 </file>
 
-<file path=ppt/slides/slide15.xml><?xml version="1.0" encoding="utf-8"?>
+<file path=ppt/slides/slide19.xml><?xml version="1.0" encoding="utf-8"?>
 <p:sld xmlns:a="http://schemas.openxmlformats.org/drawingml/2006/main" xmlns:r="http://schemas.openxmlformats.org/officeDocument/2006/relationships" xmlns:p="http://schemas.openxmlformats.org/presentationml/2006/main">
   <p:cSld>
     <p:spTree>
